--- a/Design/UI.pptx
+++ b/Design/UI.pptx
@@ -5,8 +5,9 @@
     <p:sldMasterId id="2147483648" r:id="rId1"/>
   </p:sldMasterIdLst>
   <p:sldIdLst>
-    <p:sldId id="256" r:id="rId2"/>
-    <p:sldId id="257" r:id="rId3"/>
+    <p:sldId id="258" r:id="rId2"/>
+    <p:sldId id="256" r:id="rId3"/>
+    <p:sldId id="257" r:id="rId4"/>
   </p:sldIdLst>
   <p:sldSz cx="12192000" cy="6858000"/>
   <p:notesSz cx="6858000" cy="9144000"/>
@@ -105,6 +106,11 @@
       </a:defRPr>
     </a:lvl9pPr>
   </p:defaultTextStyle>
+  <p:extLst>
+    <p:ext uri="{EFAFB233-063F-42B5-8137-9DF3F51BA10A}">
+      <p15:sldGuideLst xmlns:p15="http://schemas.microsoft.com/office/powerpoint/2012/main"/>
+    </p:ext>
+  </p:extLst>
 </p:presentation>
 </file>
 
@@ -255,7 +261,7 @@
           <a:p>
             <a:fld id="{11FA0D98-9A7C-4324-A920-4CD3CA2432CD}" type="datetimeFigureOut">
               <a:rPr lang="ko-KR" altLang="en-US" smtClean="0"/>
-              <a:t>2025-04-13</a:t>
+              <a:t>2025-04-20</a:t>
             </a:fld>
             <a:endParaRPr lang="ko-KR" altLang="en-US"/>
           </a:p>
@@ -453,7 +459,7 @@
           <a:p>
             <a:fld id="{11FA0D98-9A7C-4324-A920-4CD3CA2432CD}" type="datetimeFigureOut">
               <a:rPr lang="ko-KR" altLang="en-US" smtClean="0"/>
-              <a:t>2025-04-13</a:t>
+              <a:t>2025-04-20</a:t>
             </a:fld>
             <a:endParaRPr lang="ko-KR" altLang="en-US"/>
           </a:p>
@@ -661,7 +667,7 @@
           <a:p>
             <a:fld id="{11FA0D98-9A7C-4324-A920-4CD3CA2432CD}" type="datetimeFigureOut">
               <a:rPr lang="ko-KR" altLang="en-US" smtClean="0"/>
-              <a:t>2025-04-13</a:t>
+              <a:t>2025-04-20</a:t>
             </a:fld>
             <a:endParaRPr lang="ko-KR" altLang="en-US"/>
           </a:p>
@@ -859,7 +865,7 @@
           <a:p>
             <a:fld id="{11FA0D98-9A7C-4324-A920-4CD3CA2432CD}" type="datetimeFigureOut">
               <a:rPr lang="ko-KR" altLang="en-US" smtClean="0"/>
-              <a:t>2025-04-13</a:t>
+              <a:t>2025-04-20</a:t>
             </a:fld>
             <a:endParaRPr lang="ko-KR" altLang="en-US"/>
           </a:p>
@@ -1134,7 +1140,7 @@
           <a:p>
             <a:fld id="{11FA0D98-9A7C-4324-A920-4CD3CA2432CD}" type="datetimeFigureOut">
               <a:rPr lang="ko-KR" altLang="en-US" smtClean="0"/>
-              <a:t>2025-04-13</a:t>
+              <a:t>2025-04-20</a:t>
             </a:fld>
             <a:endParaRPr lang="ko-KR" altLang="en-US"/>
           </a:p>
@@ -1399,7 +1405,7 @@
           <a:p>
             <a:fld id="{11FA0D98-9A7C-4324-A920-4CD3CA2432CD}" type="datetimeFigureOut">
               <a:rPr lang="ko-KR" altLang="en-US" smtClean="0"/>
-              <a:t>2025-04-13</a:t>
+              <a:t>2025-04-20</a:t>
             </a:fld>
             <a:endParaRPr lang="ko-KR" altLang="en-US"/>
           </a:p>
@@ -1811,7 +1817,7 @@
           <a:p>
             <a:fld id="{11FA0D98-9A7C-4324-A920-4CD3CA2432CD}" type="datetimeFigureOut">
               <a:rPr lang="ko-KR" altLang="en-US" smtClean="0"/>
-              <a:t>2025-04-13</a:t>
+              <a:t>2025-04-20</a:t>
             </a:fld>
             <a:endParaRPr lang="ko-KR" altLang="en-US"/>
           </a:p>
@@ -1952,7 +1958,7 @@
           <a:p>
             <a:fld id="{11FA0D98-9A7C-4324-A920-4CD3CA2432CD}" type="datetimeFigureOut">
               <a:rPr lang="ko-KR" altLang="en-US" smtClean="0"/>
-              <a:t>2025-04-13</a:t>
+              <a:t>2025-04-20</a:t>
             </a:fld>
             <a:endParaRPr lang="ko-KR" altLang="en-US"/>
           </a:p>
@@ -2065,7 +2071,7 @@
           <a:p>
             <a:fld id="{11FA0D98-9A7C-4324-A920-4CD3CA2432CD}" type="datetimeFigureOut">
               <a:rPr lang="ko-KR" altLang="en-US" smtClean="0"/>
-              <a:t>2025-04-13</a:t>
+              <a:t>2025-04-20</a:t>
             </a:fld>
             <a:endParaRPr lang="ko-KR" altLang="en-US"/>
           </a:p>
@@ -2376,7 +2382,7 @@
           <a:p>
             <a:fld id="{11FA0D98-9A7C-4324-A920-4CD3CA2432CD}" type="datetimeFigureOut">
               <a:rPr lang="ko-KR" altLang="en-US" smtClean="0"/>
-              <a:t>2025-04-13</a:t>
+              <a:t>2025-04-20</a:t>
             </a:fld>
             <a:endParaRPr lang="ko-KR" altLang="en-US"/>
           </a:p>
@@ -2664,7 +2670,7 @@
           <a:p>
             <a:fld id="{11FA0D98-9A7C-4324-A920-4CD3CA2432CD}" type="datetimeFigureOut">
               <a:rPr lang="ko-KR" altLang="en-US" smtClean="0"/>
-              <a:t>2025-04-13</a:t>
+              <a:t>2025-04-20</a:t>
             </a:fld>
             <a:endParaRPr lang="ko-KR" altLang="en-US"/>
           </a:p>
@@ -2905,7 +2911,7 @@
           <a:p>
             <a:fld id="{11FA0D98-9A7C-4324-A920-4CD3CA2432CD}" type="datetimeFigureOut">
               <a:rPr lang="ko-KR" altLang="en-US" smtClean="0"/>
-              <a:t>2025-04-13</a:t>
+              <a:t>2025-04-20</a:t>
             </a:fld>
             <a:endParaRPr lang="ko-KR" altLang="en-US"/>
           </a:p>
@@ -3310,7 +3316,13 @@
   <p:cSld>
     <p:spTree>
       <p:nvGrpSpPr>
-        <p:cNvPr id="1" name=""/>
+        <p:cNvPr id="1" name="">
+          <a:extLst>
+            <a:ext uri="{FF2B5EF4-FFF2-40B4-BE49-F238E27FC236}">
+              <a16:creationId xmlns:a16="http://schemas.microsoft.com/office/drawing/2014/main" id="{61044B6D-858F-D102-222C-3B503691D648}"/>
+            </a:ext>
+          </a:extLst>
+        </p:cNvPr>
         <p:cNvGrpSpPr/>
         <p:nvPr/>
       </p:nvGrpSpPr>
@@ -3327,7 +3339,7 @@
           <p:cNvPr id="4" name="직사각형 3">
             <a:extLst>
               <a:ext uri="{FF2B5EF4-FFF2-40B4-BE49-F238E27FC236}">
-                <a16:creationId xmlns:a16="http://schemas.microsoft.com/office/drawing/2014/main" id="{C6D54D30-3EE0-1C8A-4D2D-E0184DA313B3}"/>
+                <a16:creationId xmlns:a16="http://schemas.microsoft.com/office/drawing/2014/main" id="{D163D55F-023F-A30C-0600-728FA6B231DA}"/>
               </a:ext>
             </a:extLst>
           </p:cNvPr>
@@ -3337,7 +3349,7 @@
         <p:spPr>
           <a:xfrm>
             <a:off x="1727200" y="362858"/>
-            <a:ext cx="3976914" cy="6139544"/>
+            <a:ext cx="4196522" cy="6083025"/>
           </a:xfrm>
           <a:prstGeom prst="rect">
             <a:avLst/>
@@ -3368,10 +3380,10 @@
       </p:sp>
       <p:sp>
         <p:nvSpPr>
-          <p:cNvPr id="5" name="직사각형 4">
-            <a:extLst>
-              <a:ext uri="{FF2B5EF4-FFF2-40B4-BE49-F238E27FC236}">
-                <a16:creationId xmlns:a16="http://schemas.microsoft.com/office/drawing/2014/main" id="{3DF6821B-F7AE-0CDF-E40F-535939BEBE4D}"/>
+          <p:cNvPr id="7" name="직사각형 6">
+            <a:extLst>
+              <a:ext uri="{FF2B5EF4-FFF2-40B4-BE49-F238E27FC236}">
+                <a16:creationId xmlns:a16="http://schemas.microsoft.com/office/drawing/2014/main" id="{210EC80C-4D2F-7901-2BC3-2327643C37C5}"/>
               </a:ext>
             </a:extLst>
           </p:cNvPr>
@@ -3380,8 +3392,8 @@
         </p:nvSpPr>
         <p:spPr>
           <a:xfrm>
-            <a:off x="2220686" y="696686"/>
-            <a:ext cx="1161143" cy="464457"/>
+            <a:off x="1847989" y="2683565"/>
+            <a:ext cx="3943900" cy="3477750"/>
           </a:xfrm>
           <a:prstGeom prst="rect">
             <a:avLst/>
@@ -3408,17 +3420,47 @@
             <a:pPr algn="ctr"/>
             <a:r>
               <a:rPr lang="ko-KR" altLang="en-US" dirty="0"/>
-              <a:t>추가</a:t>
-            </a:r>
-          </a:p>
-        </p:txBody>
-      </p:sp>
-      <p:sp>
-        <p:nvSpPr>
-          <p:cNvPr id="6" name="직사각형 5">
-            <a:extLst>
-              <a:ext uri="{FF2B5EF4-FFF2-40B4-BE49-F238E27FC236}">
-                <a16:creationId xmlns:a16="http://schemas.microsoft.com/office/drawing/2014/main" id="{AFE39939-C0F1-1445-3AAD-40ACDE2062E3}"/>
+              <a:t>리스트</a:t>
+            </a:r>
+          </a:p>
+        </p:txBody>
+      </p:sp>
+      <p:pic>
+        <p:nvPicPr>
+          <p:cNvPr id="3" name="그림 2">
+            <a:extLst>
+              <a:ext uri="{FF2B5EF4-FFF2-40B4-BE49-F238E27FC236}">
+                <a16:creationId xmlns:a16="http://schemas.microsoft.com/office/drawing/2014/main" id="{302200BC-6B81-3717-0A91-1B96CE767CB6}"/>
+              </a:ext>
+            </a:extLst>
+          </p:cNvPr>
+          <p:cNvPicPr>
+            <a:picLocks noChangeAspect="1"/>
+          </p:cNvPicPr>
+          <p:nvPr/>
+        </p:nvPicPr>
+        <p:blipFill>
+          <a:blip r:embed="rId2"/>
+          <a:stretch>
+            <a:fillRect/>
+          </a:stretch>
+        </p:blipFill>
+        <p:spPr>
+          <a:xfrm>
+            <a:off x="1847989" y="412117"/>
+            <a:ext cx="3943900" cy="1286054"/>
+          </a:xfrm>
+          <a:prstGeom prst="rect">
+            <a:avLst/>
+          </a:prstGeom>
+        </p:spPr>
+      </p:pic>
+      <p:sp>
+        <p:nvSpPr>
+          <p:cNvPr id="8" name="직사각형 7">
+            <a:extLst>
+              <a:ext uri="{FF2B5EF4-FFF2-40B4-BE49-F238E27FC236}">
+                <a16:creationId xmlns:a16="http://schemas.microsoft.com/office/drawing/2014/main" id="{6D971155-7552-A267-078D-47DC8272583D}"/>
               </a:ext>
             </a:extLst>
           </p:cNvPr>
@@ -3427,8 +3469,8 @@
         </p:nvSpPr>
         <p:spPr>
           <a:xfrm>
-            <a:off x="3485322" y="696686"/>
-            <a:ext cx="1265582" cy="464457"/>
+            <a:off x="1847989" y="1765573"/>
+            <a:ext cx="1161143" cy="464457"/>
           </a:xfrm>
           <a:prstGeom prst="rect">
             <a:avLst/>
@@ -3455,30 +3497,17 @@
             <a:pPr algn="ctr"/>
             <a:r>
               <a:rPr lang="ko-KR" altLang="en-US" dirty="0"/>
-              <a:t>삭제</a:t>
-            </a:r>
-            <a:r>
-              <a:rPr lang="en-US" altLang="ko-KR" dirty="0"/>
-              <a:t>(</a:t>
-            </a:r>
-            <a:r>
-              <a:rPr lang="ko-KR" altLang="en-US" dirty="0"/>
-              <a:t>숨김</a:t>
-            </a:r>
-            <a:r>
-              <a:rPr lang="en-US" altLang="ko-KR" dirty="0"/>
-              <a:t>)</a:t>
-            </a:r>
-            <a:endParaRPr lang="ko-KR" altLang="en-US" dirty="0"/>
-          </a:p>
-        </p:txBody>
-      </p:sp>
-      <p:sp>
-        <p:nvSpPr>
-          <p:cNvPr id="7" name="직사각형 6">
-            <a:extLst>
-              <a:ext uri="{FF2B5EF4-FFF2-40B4-BE49-F238E27FC236}">
-                <a16:creationId xmlns:a16="http://schemas.microsoft.com/office/drawing/2014/main" id="{8B8838EF-AA39-7662-B1E0-F45C05E6621A}"/>
+              <a:t>추가</a:t>
+            </a:r>
+          </a:p>
+        </p:txBody>
+      </p:sp>
+      <p:sp>
+        <p:nvSpPr>
+          <p:cNvPr id="10" name="직사각형 9">
+            <a:extLst>
+              <a:ext uri="{FF2B5EF4-FFF2-40B4-BE49-F238E27FC236}">
+                <a16:creationId xmlns:a16="http://schemas.microsoft.com/office/drawing/2014/main" id="{AE63E1BD-1B05-4688-5FF8-29EED5930749}"/>
               </a:ext>
             </a:extLst>
           </p:cNvPr>
@@ -3487,8 +3516,8 @@
         </p:nvSpPr>
         <p:spPr>
           <a:xfrm>
-            <a:off x="2220686" y="1698171"/>
-            <a:ext cx="2902858" cy="4463143"/>
+            <a:off x="3129921" y="1760112"/>
+            <a:ext cx="1265582" cy="464457"/>
           </a:xfrm>
           <a:prstGeom prst="rect">
             <a:avLst/>
@@ -3515,17 +3544,30 @@
             <a:pPr algn="ctr"/>
             <a:r>
               <a:rPr lang="ko-KR" altLang="en-US" dirty="0"/>
-              <a:t>리스트</a:t>
-            </a:r>
-          </a:p>
-        </p:txBody>
-      </p:sp>
-      <p:sp>
-        <p:nvSpPr>
-          <p:cNvPr id="9" name="직사각형 8">
-            <a:extLst>
-              <a:ext uri="{FF2B5EF4-FFF2-40B4-BE49-F238E27FC236}">
-                <a16:creationId xmlns:a16="http://schemas.microsoft.com/office/drawing/2014/main" id="{601BF630-BA9B-CDD1-6139-6C612D9FE611}"/>
+              <a:t>삭제</a:t>
+            </a:r>
+            <a:r>
+              <a:rPr lang="en-US" altLang="ko-KR" dirty="0"/>
+              <a:t>(</a:t>
+            </a:r>
+            <a:r>
+              <a:rPr lang="ko-KR" altLang="en-US" dirty="0"/>
+              <a:t>숨김</a:t>
+            </a:r>
+            <a:r>
+              <a:rPr lang="en-US" altLang="ko-KR" dirty="0"/>
+              <a:t>)</a:t>
+            </a:r>
+            <a:endParaRPr lang="ko-KR" altLang="en-US" dirty="0"/>
+          </a:p>
+        </p:txBody>
+      </p:sp>
+      <p:sp>
+        <p:nvSpPr>
+          <p:cNvPr id="11" name="직사각형 10">
+            <a:extLst>
+              <a:ext uri="{FF2B5EF4-FFF2-40B4-BE49-F238E27FC236}">
+                <a16:creationId xmlns:a16="http://schemas.microsoft.com/office/drawing/2014/main" id="{01D6A57F-E742-88D3-3017-085E89F26370}"/>
               </a:ext>
             </a:extLst>
           </p:cNvPr>
@@ -3534,7 +3576,7 @@
         </p:nvSpPr>
         <p:spPr>
           <a:xfrm>
-            <a:off x="4830418" y="696686"/>
+            <a:off x="4526821" y="1760112"/>
             <a:ext cx="1265582" cy="464457"/>
           </a:xfrm>
           <a:prstGeom prst="rect">
@@ -3583,6 +3625,294 @@
     </p:spTree>
     <p:extLst>
       <p:ext uri="{BB962C8B-B14F-4D97-AF65-F5344CB8AC3E}">
+        <p14:creationId xmlns:p14="http://schemas.microsoft.com/office/powerpoint/2010/main" val="815547778"/>
+      </p:ext>
+    </p:extLst>
+  </p:cSld>
+  <p:clrMapOvr>
+    <a:masterClrMapping/>
+  </p:clrMapOvr>
+</p:sld>
+</file>
+
+<file path=ppt/slides/slide2.xml><?xml version="1.0" encoding="utf-8"?>
+<p:sld xmlns:a="http://schemas.openxmlformats.org/drawingml/2006/main" xmlns:r="http://schemas.openxmlformats.org/officeDocument/2006/relationships" xmlns:p="http://schemas.openxmlformats.org/presentationml/2006/main">
+  <p:cSld>
+    <p:spTree>
+      <p:nvGrpSpPr>
+        <p:cNvPr id="1" name=""/>
+        <p:cNvGrpSpPr/>
+        <p:nvPr/>
+      </p:nvGrpSpPr>
+      <p:grpSpPr>
+        <a:xfrm>
+          <a:off x="0" y="0"/>
+          <a:ext cx="0" cy="0"/>
+          <a:chOff x="0" y="0"/>
+          <a:chExt cx="0" cy="0"/>
+        </a:xfrm>
+      </p:grpSpPr>
+      <p:sp>
+        <p:nvSpPr>
+          <p:cNvPr id="4" name="직사각형 3">
+            <a:extLst>
+              <a:ext uri="{FF2B5EF4-FFF2-40B4-BE49-F238E27FC236}">
+                <a16:creationId xmlns:a16="http://schemas.microsoft.com/office/drawing/2014/main" id="{C6D54D30-3EE0-1C8A-4D2D-E0184DA313B3}"/>
+              </a:ext>
+            </a:extLst>
+          </p:cNvPr>
+          <p:cNvSpPr/>
+          <p:nvPr/>
+        </p:nvSpPr>
+        <p:spPr>
+          <a:xfrm>
+            <a:off x="1727200" y="362858"/>
+            <a:ext cx="3976914" cy="6139544"/>
+          </a:xfrm>
+          <a:prstGeom prst="rect">
+            <a:avLst/>
+          </a:prstGeom>
+        </p:spPr>
+        <p:style>
+          <a:lnRef idx="2">
+            <a:schemeClr val="accent6"/>
+          </a:lnRef>
+          <a:fillRef idx="1">
+            <a:schemeClr val="lt1"/>
+          </a:fillRef>
+          <a:effectRef idx="0">
+            <a:schemeClr val="accent6"/>
+          </a:effectRef>
+          <a:fontRef idx="minor">
+            <a:schemeClr val="dk1"/>
+          </a:fontRef>
+        </p:style>
+        <p:txBody>
+          <a:bodyPr rtlCol="0" anchor="ctr"/>
+          <a:lstStyle/>
+          <a:p>
+            <a:pPr algn="ctr"/>
+            <a:endParaRPr lang="ko-KR" altLang="en-US" dirty="0"/>
+          </a:p>
+        </p:txBody>
+      </p:sp>
+      <p:sp>
+        <p:nvSpPr>
+          <p:cNvPr id="5" name="직사각형 4">
+            <a:extLst>
+              <a:ext uri="{FF2B5EF4-FFF2-40B4-BE49-F238E27FC236}">
+                <a16:creationId xmlns:a16="http://schemas.microsoft.com/office/drawing/2014/main" id="{3DF6821B-F7AE-0CDF-E40F-535939BEBE4D}"/>
+              </a:ext>
+            </a:extLst>
+          </p:cNvPr>
+          <p:cNvSpPr/>
+          <p:nvPr/>
+        </p:nvSpPr>
+        <p:spPr>
+          <a:xfrm>
+            <a:off x="2220686" y="696686"/>
+            <a:ext cx="1161143" cy="464457"/>
+          </a:xfrm>
+          <a:prstGeom prst="rect">
+            <a:avLst/>
+          </a:prstGeom>
+        </p:spPr>
+        <p:style>
+          <a:lnRef idx="2">
+            <a:schemeClr val="accent6"/>
+          </a:lnRef>
+          <a:fillRef idx="1">
+            <a:schemeClr val="lt1"/>
+          </a:fillRef>
+          <a:effectRef idx="0">
+            <a:schemeClr val="accent6"/>
+          </a:effectRef>
+          <a:fontRef idx="minor">
+            <a:schemeClr val="dk1"/>
+          </a:fontRef>
+        </p:style>
+        <p:txBody>
+          <a:bodyPr rtlCol="0" anchor="ctr"/>
+          <a:lstStyle/>
+          <a:p>
+            <a:pPr algn="ctr"/>
+            <a:r>
+              <a:rPr lang="ko-KR" altLang="en-US" dirty="0"/>
+              <a:t>추가</a:t>
+            </a:r>
+          </a:p>
+        </p:txBody>
+      </p:sp>
+      <p:sp>
+        <p:nvSpPr>
+          <p:cNvPr id="6" name="직사각형 5">
+            <a:extLst>
+              <a:ext uri="{FF2B5EF4-FFF2-40B4-BE49-F238E27FC236}">
+                <a16:creationId xmlns:a16="http://schemas.microsoft.com/office/drawing/2014/main" id="{AFE39939-C0F1-1445-3AAD-40ACDE2062E3}"/>
+              </a:ext>
+            </a:extLst>
+          </p:cNvPr>
+          <p:cNvSpPr/>
+          <p:nvPr/>
+        </p:nvSpPr>
+        <p:spPr>
+          <a:xfrm>
+            <a:off x="3485322" y="696686"/>
+            <a:ext cx="1265582" cy="464457"/>
+          </a:xfrm>
+          <a:prstGeom prst="rect">
+            <a:avLst/>
+          </a:prstGeom>
+        </p:spPr>
+        <p:style>
+          <a:lnRef idx="2">
+            <a:schemeClr val="accent6"/>
+          </a:lnRef>
+          <a:fillRef idx="1">
+            <a:schemeClr val="lt1"/>
+          </a:fillRef>
+          <a:effectRef idx="0">
+            <a:schemeClr val="accent6"/>
+          </a:effectRef>
+          <a:fontRef idx="minor">
+            <a:schemeClr val="dk1"/>
+          </a:fontRef>
+        </p:style>
+        <p:txBody>
+          <a:bodyPr rtlCol="0" anchor="ctr"/>
+          <a:lstStyle/>
+          <a:p>
+            <a:pPr algn="ctr"/>
+            <a:r>
+              <a:rPr lang="ko-KR" altLang="en-US" dirty="0"/>
+              <a:t>삭제</a:t>
+            </a:r>
+            <a:r>
+              <a:rPr lang="en-US" altLang="ko-KR" dirty="0"/>
+              <a:t>(</a:t>
+            </a:r>
+            <a:r>
+              <a:rPr lang="ko-KR" altLang="en-US" dirty="0"/>
+              <a:t>숨김</a:t>
+            </a:r>
+            <a:r>
+              <a:rPr lang="en-US" altLang="ko-KR" dirty="0"/>
+              <a:t>)</a:t>
+            </a:r>
+            <a:endParaRPr lang="ko-KR" altLang="en-US" dirty="0"/>
+          </a:p>
+        </p:txBody>
+      </p:sp>
+      <p:sp>
+        <p:nvSpPr>
+          <p:cNvPr id="7" name="직사각형 6">
+            <a:extLst>
+              <a:ext uri="{FF2B5EF4-FFF2-40B4-BE49-F238E27FC236}">
+                <a16:creationId xmlns:a16="http://schemas.microsoft.com/office/drawing/2014/main" id="{8B8838EF-AA39-7662-B1E0-F45C05E6621A}"/>
+              </a:ext>
+            </a:extLst>
+          </p:cNvPr>
+          <p:cNvSpPr/>
+          <p:nvPr/>
+        </p:nvSpPr>
+        <p:spPr>
+          <a:xfrm>
+            <a:off x="2220686" y="1698171"/>
+            <a:ext cx="2902858" cy="4463143"/>
+          </a:xfrm>
+          <a:prstGeom prst="rect">
+            <a:avLst/>
+          </a:prstGeom>
+        </p:spPr>
+        <p:style>
+          <a:lnRef idx="2">
+            <a:schemeClr val="accent6"/>
+          </a:lnRef>
+          <a:fillRef idx="1">
+            <a:schemeClr val="lt1"/>
+          </a:fillRef>
+          <a:effectRef idx="0">
+            <a:schemeClr val="accent6"/>
+          </a:effectRef>
+          <a:fontRef idx="minor">
+            <a:schemeClr val="dk1"/>
+          </a:fontRef>
+        </p:style>
+        <p:txBody>
+          <a:bodyPr rtlCol="0" anchor="ctr"/>
+          <a:lstStyle/>
+          <a:p>
+            <a:pPr algn="ctr"/>
+            <a:r>
+              <a:rPr lang="ko-KR" altLang="en-US" dirty="0"/>
+              <a:t>리스트</a:t>
+            </a:r>
+          </a:p>
+        </p:txBody>
+      </p:sp>
+      <p:sp>
+        <p:nvSpPr>
+          <p:cNvPr id="9" name="직사각형 8">
+            <a:extLst>
+              <a:ext uri="{FF2B5EF4-FFF2-40B4-BE49-F238E27FC236}">
+                <a16:creationId xmlns:a16="http://schemas.microsoft.com/office/drawing/2014/main" id="{601BF630-BA9B-CDD1-6139-6C612D9FE611}"/>
+              </a:ext>
+            </a:extLst>
+          </p:cNvPr>
+          <p:cNvSpPr/>
+          <p:nvPr/>
+        </p:nvSpPr>
+        <p:spPr>
+          <a:xfrm>
+            <a:off x="4830418" y="696686"/>
+            <a:ext cx="1265582" cy="464457"/>
+          </a:xfrm>
+          <a:prstGeom prst="rect">
+            <a:avLst/>
+          </a:prstGeom>
+        </p:spPr>
+        <p:style>
+          <a:lnRef idx="2">
+            <a:schemeClr val="accent6"/>
+          </a:lnRef>
+          <a:fillRef idx="1">
+            <a:schemeClr val="lt1"/>
+          </a:fillRef>
+          <a:effectRef idx="0">
+            <a:schemeClr val="accent6"/>
+          </a:effectRef>
+          <a:fontRef idx="minor">
+            <a:schemeClr val="dk1"/>
+          </a:fontRef>
+        </p:style>
+        <p:txBody>
+          <a:bodyPr rtlCol="0" anchor="ctr"/>
+          <a:lstStyle/>
+          <a:p>
+            <a:pPr algn="ctr"/>
+            <a:r>
+              <a:rPr lang="ko-KR" altLang="en-US" dirty="0"/>
+              <a:t>복사</a:t>
+            </a:r>
+            <a:r>
+              <a:rPr lang="en-US" altLang="ko-KR" dirty="0"/>
+              <a:t>(</a:t>
+            </a:r>
+            <a:r>
+              <a:rPr lang="ko-KR" altLang="en-US" dirty="0"/>
+              <a:t>숨김</a:t>
+            </a:r>
+            <a:r>
+              <a:rPr lang="en-US" altLang="ko-KR" dirty="0"/>
+              <a:t>)</a:t>
+            </a:r>
+            <a:endParaRPr lang="ko-KR" altLang="en-US" dirty="0"/>
+          </a:p>
+        </p:txBody>
+      </p:sp>
+    </p:spTree>
+    <p:extLst>
+      <p:ext uri="{BB962C8B-B14F-4D97-AF65-F5344CB8AC3E}">
         <p14:creationId xmlns:p14="http://schemas.microsoft.com/office/powerpoint/2010/main" val="3560366088"/>
       </p:ext>
     </p:extLst>
@@ -3593,7 +3923,7 @@
 </p:sld>
 </file>
 
-<file path=ppt/slides/slide2.xml><?xml version="1.0" encoding="utf-8"?>
+<file path=ppt/slides/slide3.xml><?xml version="1.0" encoding="utf-8"?>
 <p:sld xmlns:a="http://schemas.openxmlformats.org/drawingml/2006/main" xmlns:r="http://schemas.openxmlformats.org/officeDocument/2006/relationships" xmlns:p="http://schemas.openxmlformats.org/presentationml/2006/main">
   <p:cSld>
     <p:spTree>

--- a/Design/UI.pptx
+++ b/Design/UI.pptx
@@ -261,7 +261,7 @@
           <a:p>
             <a:fld id="{11FA0D98-9A7C-4324-A920-4CD3CA2432CD}" type="datetimeFigureOut">
               <a:rPr lang="ko-KR" altLang="en-US" smtClean="0"/>
-              <a:t>2025-04-20</a:t>
+              <a:t>2025-04-21</a:t>
             </a:fld>
             <a:endParaRPr lang="ko-KR" altLang="en-US"/>
           </a:p>
@@ -459,7 +459,7 @@
           <a:p>
             <a:fld id="{11FA0D98-9A7C-4324-A920-4CD3CA2432CD}" type="datetimeFigureOut">
               <a:rPr lang="ko-KR" altLang="en-US" smtClean="0"/>
-              <a:t>2025-04-20</a:t>
+              <a:t>2025-04-21</a:t>
             </a:fld>
             <a:endParaRPr lang="ko-KR" altLang="en-US"/>
           </a:p>
@@ -667,7 +667,7 @@
           <a:p>
             <a:fld id="{11FA0D98-9A7C-4324-A920-4CD3CA2432CD}" type="datetimeFigureOut">
               <a:rPr lang="ko-KR" altLang="en-US" smtClean="0"/>
-              <a:t>2025-04-20</a:t>
+              <a:t>2025-04-21</a:t>
             </a:fld>
             <a:endParaRPr lang="ko-KR" altLang="en-US"/>
           </a:p>
@@ -865,7 +865,7 @@
           <a:p>
             <a:fld id="{11FA0D98-9A7C-4324-A920-4CD3CA2432CD}" type="datetimeFigureOut">
               <a:rPr lang="ko-KR" altLang="en-US" smtClean="0"/>
-              <a:t>2025-04-20</a:t>
+              <a:t>2025-04-21</a:t>
             </a:fld>
             <a:endParaRPr lang="ko-KR" altLang="en-US"/>
           </a:p>
@@ -1140,7 +1140,7 @@
           <a:p>
             <a:fld id="{11FA0D98-9A7C-4324-A920-4CD3CA2432CD}" type="datetimeFigureOut">
               <a:rPr lang="ko-KR" altLang="en-US" smtClean="0"/>
-              <a:t>2025-04-20</a:t>
+              <a:t>2025-04-21</a:t>
             </a:fld>
             <a:endParaRPr lang="ko-KR" altLang="en-US"/>
           </a:p>
@@ -1405,7 +1405,7 @@
           <a:p>
             <a:fld id="{11FA0D98-9A7C-4324-A920-4CD3CA2432CD}" type="datetimeFigureOut">
               <a:rPr lang="ko-KR" altLang="en-US" smtClean="0"/>
-              <a:t>2025-04-20</a:t>
+              <a:t>2025-04-21</a:t>
             </a:fld>
             <a:endParaRPr lang="ko-KR" altLang="en-US"/>
           </a:p>
@@ -1817,7 +1817,7 @@
           <a:p>
             <a:fld id="{11FA0D98-9A7C-4324-A920-4CD3CA2432CD}" type="datetimeFigureOut">
               <a:rPr lang="ko-KR" altLang="en-US" smtClean="0"/>
-              <a:t>2025-04-20</a:t>
+              <a:t>2025-04-21</a:t>
             </a:fld>
             <a:endParaRPr lang="ko-KR" altLang="en-US"/>
           </a:p>
@@ -1958,7 +1958,7 @@
           <a:p>
             <a:fld id="{11FA0D98-9A7C-4324-A920-4CD3CA2432CD}" type="datetimeFigureOut">
               <a:rPr lang="ko-KR" altLang="en-US" smtClean="0"/>
-              <a:t>2025-04-20</a:t>
+              <a:t>2025-04-21</a:t>
             </a:fld>
             <a:endParaRPr lang="ko-KR" altLang="en-US"/>
           </a:p>
@@ -2071,7 +2071,7 @@
           <a:p>
             <a:fld id="{11FA0D98-9A7C-4324-A920-4CD3CA2432CD}" type="datetimeFigureOut">
               <a:rPr lang="ko-KR" altLang="en-US" smtClean="0"/>
-              <a:t>2025-04-20</a:t>
+              <a:t>2025-04-21</a:t>
             </a:fld>
             <a:endParaRPr lang="ko-KR" altLang="en-US"/>
           </a:p>
@@ -2382,7 +2382,7 @@
           <a:p>
             <a:fld id="{11FA0D98-9A7C-4324-A920-4CD3CA2432CD}" type="datetimeFigureOut">
               <a:rPr lang="ko-KR" altLang="en-US" smtClean="0"/>
-              <a:t>2025-04-20</a:t>
+              <a:t>2025-04-21</a:t>
             </a:fld>
             <a:endParaRPr lang="ko-KR" altLang="en-US"/>
           </a:p>
@@ -2670,7 +2670,7 @@
           <a:p>
             <a:fld id="{11FA0D98-9A7C-4324-A920-4CD3CA2432CD}" type="datetimeFigureOut">
               <a:rPr lang="ko-KR" altLang="en-US" smtClean="0"/>
-              <a:t>2025-04-20</a:t>
+              <a:t>2025-04-21</a:t>
             </a:fld>
             <a:endParaRPr lang="ko-KR" altLang="en-US"/>
           </a:p>
@@ -2911,7 +2911,7 @@
           <a:p>
             <a:fld id="{11FA0D98-9A7C-4324-A920-4CD3CA2432CD}" type="datetimeFigureOut">
               <a:rPr lang="ko-KR" altLang="en-US" smtClean="0"/>
-              <a:t>2025-04-20</a:t>
+              <a:t>2025-04-21</a:t>
             </a:fld>
             <a:endParaRPr lang="ko-KR" altLang="en-US"/>
           </a:p>
@@ -4004,7 +4004,7 @@
         </p:nvSpPr>
         <p:spPr>
           <a:xfrm>
-            <a:off x="3185958" y="1057290"/>
+            <a:off x="3177681" y="2095345"/>
             <a:ext cx="1108923" cy="343230"/>
           </a:xfrm>
           <a:prstGeom prst="rect">
@@ -4051,7 +4051,7 @@
         </p:nvSpPr>
         <p:spPr>
           <a:xfrm>
-            <a:off x="4414546" y="1072086"/>
+            <a:off x="4406269" y="2110141"/>
             <a:ext cx="1108923" cy="343230"/>
           </a:xfrm>
           <a:prstGeom prst="rect">
@@ -4098,7 +4098,7 @@
         </p:nvSpPr>
         <p:spPr>
           <a:xfrm>
-            <a:off x="5643134" y="1072086"/>
+            <a:off x="5634857" y="2110141"/>
             <a:ext cx="1184021" cy="343230"/>
           </a:xfrm>
           <a:prstGeom prst="rect">
@@ -4145,7 +4145,7 @@
         </p:nvSpPr>
         <p:spPr>
           <a:xfrm>
-            <a:off x="6946820" y="1072086"/>
+            <a:off x="6938543" y="2110141"/>
             <a:ext cx="1899401" cy="343230"/>
           </a:xfrm>
           <a:prstGeom prst="rect">
@@ -4239,7 +4239,7 @@
         </p:nvSpPr>
         <p:spPr>
           <a:xfrm>
-            <a:off x="1416154" y="1078878"/>
+            <a:off x="1407877" y="2116933"/>
             <a:ext cx="1426977" cy="369332"/>
           </a:xfrm>
           <a:prstGeom prst="rect">
@@ -4719,7 +4719,7 @@
         </p:nvSpPr>
         <p:spPr>
           <a:xfrm>
-            <a:off x="1407877" y="489100"/>
+            <a:off x="1416154" y="1549510"/>
             <a:ext cx="1772646" cy="369332"/>
           </a:xfrm>
           <a:prstGeom prst="rect">
@@ -4755,7 +4755,7 @@
         </p:nvSpPr>
         <p:spPr>
           <a:xfrm>
-            <a:off x="3188800" y="497332"/>
+            <a:off x="3188800" y="1568875"/>
             <a:ext cx="1184020" cy="343230"/>
           </a:xfrm>
           <a:prstGeom prst="rect">
@@ -4787,6 +4787,52 @@
               <a:rPr lang="ko-KR" altLang="en-US" dirty="0"/>
               <a:t>등록</a:t>
             </a:r>
+          </a:p>
+        </p:txBody>
+      </p:sp>
+      <p:sp>
+        <p:nvSpPr>
+          <p:cNvPr id="6" name="직사각형 5">
+            <a:extLst>
+              <a:ext uri="{FF2B5EF4-FFF2-40B4-BE49-F238E27FC236}">
+                <a16:creationId xmlns:a16="http://schemas.microsoft.com/office/drawing/2014/main" id="{3D0973DB-9D07-C02A-FC16-7B6ED5183028}"/>
+              </a:ext>
+            </a:extLst>
+          </p:cNvPr>
+          <p:cNvSpPr/>
+          <p:nvPr/>
+        </p:nvSpPr>
+        <p:spPr>
+          <a:xfrm>
+            <a:off x="1530626" y="446554"/>
+            <a:ext cx="914400" cy="914400"/>
+          </a:xfrm>
+          <a:prstGeom prst="rect">
+            <a:avLst/>
+          </a:prstGeom>
+        </p:spPr>
+        <p:style>
+          <a:lnRef idx="2">
+            <a:schemeClr val="accent1">
+              <a:shade val="15000"/>
+            </a:schemeClr>
+          </a:lnRef>
+          <a:fillRef idx="1">
+            <a:schemeClr val="accent1"/>
+          </a:fillRef>
+          <a:effectRef idx="0">
+            <a:schemeClr val="accent1"/>
+          </a:effectRef>
+          <a:fontRef idx="minor">
+            <a:schemeClr val="lt1"/>
+          </a:fontRef>
+        </p:style>
+        <p:txBody>
+          <a:bodyPr rtlCol="0" anchor="ctr"/>
+          <a:lstStyle/>
+          <a:p>
+            <a:pPr algn="ctr"/>
+            <a:endParaRPr lang="ko-KR" altLang="en-US"/>
           </a:p>
         </p:txBody>
       </p:sp>

--- a/Design/UI.pptx
+++ b/Design/UI.pptx
@@ -261,7 +261,7 @@
           <a:p>
             <a:fld id="{11FA0D98-9A7C-4324-A920-4CD3CA2432CD}" type="datetimeFigureOut">
               <a:rPr lang="ko-KR" altLang="en-US" smtClean="0"/>
-              <a:t>2025-04-21</a:t>
+              <a:t>2025-04-20</a:t>
             </a:fld>
             <a:endParaRPr lang="ko-KR" altLang="en-US"/>
           </a:p>
@@ -459,7 +459,7 @@
           <a:p>
             <a:fld id="{11FA0D98-9A7C-4324-A920-4CD3CA2432CD}" type="datetimeFigureOut">
               <a:rPr lang="ko-KR" altLang="en-US" smtClean="0"/>
-              <a:t>2025-04-21</a:t>
+              <a:t>2025-04-20</a:t>
             </a:fld>
             <a:endParaRPr lang="ko-KR" altLang="en-US"/>
           </a:p>
@@ -667,7 +667,7 @@
           <a:p>
             <a:fld id="{11FA0D98-9A7C-4324-A920-4CD3CA2432CD}" type="datetimeFigureOut">
               <a:rPr lang="ko-KR" altLang="en-US" smtClean="0"/>
-              <a:t>2025-04-21</a:t>
+              <a:t>2025-04-20</a:t>
             </a:fld>
             <a:endParaRPr lang="ko-KR" altLang="en-US"/>
           </a:p>
@@ -865,7 +865,7 @@
           <a:p>
             <a:fld id="{11FA0D98-9A7C-4324-A920-4CD3CA2432CD}" type="datetimeFigureOut">
               <a:rPr lang="ko-KR" altLang="en-US" smtClean="0"/>
-              <a:t>2025-04-21</a:t>
+              <a:t>2025-04-20</a:t>
             </a:fld>
             <a:endParaRPr lang="ko-KR" altLang="en-US"/>
           </a:p>
@@ -1140,7 +1140,7 @@
           <a:p>
             <a:fld id="{11FA0D98-9A7C-4324-A920-4CD3CA2432CD}" type="datetimeFigureOut">
               <a:rPr lang="ko-KR" altLang="en-US" smtClean="0"/>
-              <a:t>2025-04-21</a:t>
+              <a:t>2025-04-20</a:t>
             </a:fld>
             <a:endParaRPr lang="ko-KR" altLang="en-US"/>
           </a:p>
@@ -1405,7 +1405,7 @@
           <a:p>
             <a:fld id="{11FA0D98-9A7C-4324-A920-4CD3CA2432CD}" type="datetimeFigureOut">
               <a:rPr lang="ko-KR" altLang="en-US" smtClean="0"/>
-              <a:t>2025-04-21</a:t>
+              <a:t>2025-04-20</a:t>
             </a:fld>
             <a:endParaRPr lang="ko-KR" altLang="en-US"/>
           </a:p>
@@ -1817,7 +1817,7 @@
           <a:p>
             <a:fld id="{11FA0D98-9A7C-4324-A920-4CD3CA2432CD}" type="datetimeFigureOut">
               <a:rPr lang="ko-KR" altLang="en-US" smtClean="0"/>
-              <a:t>2025-04-21</a:t>
+              <a:t>2025-04-20</a:t>
             </a:fld>
             <a:endParaRPr lang="ko-KR" altLang="en-US"/>
           </a:p>
@@ -1958,7 +1958,7 @@
           <a:p>
             <a:fld id="{11FA0D98-9A7C-4324-A920-4CD3CA2432CD}" type="datetimeFigureOut">
               <a:rPr lang="ko-KR" altLang="en-US" smtClean="0"/>
-              <a:t>2025-04-21</a:t>
+              <a:t>2025-04-20</a:t>
             </a:fld>
             <a:endParaRPr lang="ko-KR" altLang="en-US"/>
           </a:p>
@@ -2071,7 +2071,7 @@
           <a:p>
             <a:fld id="{11FA0D98-9A7C-4324-A920-4CD3CA2432CD}" type="datetimeFigureOut">
               <a:rPr lang="ko-KR" altLang="en-US" smtClean="0"/>
-              <a:t>2025-04-21</a:t>
+              <a:t>2025-04-20</a:t>
             </a:fld>
             <a:endParaRPr lang="ko-KR" altLang="en-US"/>
           </a:p>
@@ -2382,7 +2382,7 @@
           <a:p>
             <a:fld id="{11FA0D98-9A7C-4324-A920-4CD3CA2432CD}" type="datetimeFigureOut">
               <a:rPr lang="ko-KR" altLang="en-US" smtClean="0"/>
-              <a:t>2025-04-21</a:t>
+              <a:t>2025-04-20</a:t>
             </a:fld>
             <a:endParaRPr lang="ko-KR" altLang="en-US"/>
           </a:p>
@@ -2670,7 +2670,7 @@
           <a:p>
             <a:fld id="{11FA0D98-9A7C-4324-A920-4CD3CA2432CD}" type="datetimeFigureOut">
               <a:rPr lang="ko-KR" altLang="en-US" smtClean="0"/>
-              <a:t>2025-04-21</a:t>
+              <a:t>2025-04-20</a:t>
             </a:fld>
             <a:endParaRPr lang="ko-KR" altLang="en-US"/>
           </a:p>
@@ -2911,7 +2911,7 @@
           <a:p>
             <a:fld id="{11FA0D98-9A7C-4324-A920-4CD3CA2432CD}" type="datetimeFigureOut">
               <a:rPr lang="ko-KR" altLang="en-US" smtClean="0"/>
-              <a:t>2025-04-21</a:t>
+              <a:t>2025-04-20</a:t>
             </a:fld>
             <a:endParaRPr lang="ko-KR" altLang="en-US"/>
           </a:p>
@@ -4004,7 +4004,7 @@
         </p:nvSpPr>
         <p:spPr>
           <a:xfrm>
-            <a:off x="3177681" y="2095345"/>
+            <a:off x="3185958" y="1057290"/>
             <a:ext cx="1108923" cy="343230"/>
           </a:xfrm>
           <a:prstGeom prst="rect">
@@ -4051,7 +4051,7 @@
         </p:nvSpPr>
         <p:spPr>
           <a:xfrm>
-            <a:off x="4406269" y="2110141"/>
+            <a:off x="4414546" y="1072086"/>
             <a:ext cx="1108923" cy="343230"/>
           </a:xfrm>
           <a:prstGeom prst="rect">
@@ -4098,7 +4098,7 @@
         </p:nvSpPr>
         <p:spPr>
           <a:xfrm>
-            <a:off x="5634857" y="2110141"/>
+            <a:off x="5643134" y="1072086"/>
             <a:ext cx="1184021" cy="343230"/>
           </a:xfrm>
           <a:prstGeom prst="rect">
@@ -4145,7 +4145,7 @@
         </p:nvSpPr>
         <p:spPr>
           <a:xfrm>
-            <a:off x="6938543" y="2110141"/>
+            <a:off x="6946820" y="1072086"/>
             <a:ext cx="1899401" cy="343230"/>
           </a:xfrm>
           <a:prstGeom prst="rect">
@@ -4239,7 +4239,7 @@
         </p:nvSpPr>
         <p:spPr>
           <a:xfrm>
-            <a:off x="1407877" y="2116933"/>
+            <a:off x="1416154" y="1078878"/>
             <a:ext cx="1426977" cy="369332"/>
           </a:xfrm>
           <a:prstGeom prst="rect">
@@ -4719,7 +4719,7 @@
         </p:nvSpPr>
         <p:spPr>
           <a:xfrm>
-            <a:off x="1416154" y="1549510"/>
+            <a:off x="1407877" y="489100"/>
             <a:ext cx="1772646" cy="369332"/>
           </a:xfrm>
           <a:prstGeom prst="rect">
@@ -4755,7 +4755,7 @@
         </p:nvSpPr>
         <p:spPr>
           <a:xfrm>
-            <a:off x="3188800" y="1568875"/>
+            <a:off x="3188800" y="497332"/>
             <a:ext cx="1184020" cy="343230"/>
           </a:xfrm>
           <a:prstGeom prst="rect">
@@ -4787,52 +4787,6 @@
               <a:rPr lang="ko-KR" altLang="en-US" dirty="0"/>
               <a:t>등록</a:t>
             </a:r>
-          </a:p>
-        </p:txBody>
-      </p:sp>
-      <p:sp>
-        <p:nvSpPr>
-          <p:cNvPr id="6" name="직사각형 5">
-            <a:extLst>
-              <a:ext uri="{FF2B5EF4-FFF2-40B4-BE49-F238E27FC236}">
-                <a16:creationId xmlns:a16="http://schemas.microsoft.com/office/drawing/2014/main" id="{3D0973DB-9D07-C02A-FC16-7B6ED5183028}"/>
-              </a:ext>
-            </a:extLst>
-          </p:cNvPr>
-          <p:cNvSpPr/>
-          <p:nvPr/>
-        </p:nvSpPr>
-        <p:spPr>
-          <a:xfrm>
-            <a:off x="1530626" y="446554"/>
-            <a:ext cx="914400" cy="914400"/>
-          </a:xfrm>
-          <a:prstGeom prst="rect">
-            <a:avLst/>
-          </a:prstGeom>
-        </p:spPr>
-        <p:style>
-          <a:lnRef idx="2">
-            <a:schemeClr val="accent1">
-              <a:shade val="15000"/>
-            </a:schemeClr>
-          </a:lnRef>
-          <a:fillRef idx="1">
-            <a:schemeClr val="accent1"/>
-          </a:fillRef>
-          <a:effectRef idx="0">
-            <a:schemeClr val="accent1"/>
-          </a:effectRef>
-          <a:fontRef idx="minor">
-            <a:schemeClr val="lt1"/>
-          </a:fontRef>
-        </p:style>
-        <p:txBody>
-          <a:bodyPr rtlCol="0" anchor="ctr"/>
-          <a:lstStyle/>
-          <a:p>
-            <a:pPr algn="ctr"/>
-            <a:endParaRPr lang="ko-KR" altLang="en-US"/>
           </a:p>
         </p:txBody>
       </p:sp>
